--- a/week-2/Project_1/Flowchart(algorithms week-2).pptx
+++ b/week-2/Project_1/Flowchart(algorithms week-2).pptx
@@ -3406,7 +3406,7 @@
         <p:spPr>
           <a:xfrm flipV="1">
             <a:off x="1608154" y="2828744"/>
-            <a:ext cx="1092004" cy="2"/>
+            <a:ext cx="660782" cy="2"/>
           </a:xfrm>
           <a:prstGeom prst="straightConnector1">
             <a:avLst/>
@@ -3497,7 +3497,7 @@
         </p:nvSpPr>
         <p:spPr>
           <a:xfrm>
-            <a:off x="2600442" y="2429882"/>
+            <a:off x="2169220" y="2429882"/>
             <a:ext cx="1197724" cy="797724"/>
           </a:xfrm>
           <a:prstGeom prst="parallelogram">
@@ -3530,7 +3530,15 @@
             <a:pPr algn="ctr"/>
             <a:r>
               <a:rPr lang="en-US" sz="900" dirty="0"/>
-              <a:t>Input name1,name2,age1,age2</a:t>
+              <a:t>Input </a:t>
+            </a:r>
+            <a:r>
+              <a:rPr lang="en-US" sz="900" dirty="0" err="1"/>
+              <a:t>a,b</a:t>
+            </a:r>
+            <a:r>
+              <a:rPr lang="en-US" sz="900" dirty="0"/>
+              <a:t> name1,name2,age1,age2</a:t>
             </a:r>
             <a:endParaRPr lang="en-NG" sz="900" dirty="0"/>
           </a:p>
@@ -3554,8 +3562,8 @@
         </p:nvCxnSpPr>
         <p:spPr>
           <a:xfrm>
-            <a:off x="3698451" y="2828744"/>
-            <a:ext cx="906026" cy="2142"/>
+            <a:off x="3267229" y="2828744"/>
+            <a:ext cx="850293" cy="0"/>
           </a:xfrm>
           <a:prstGeom prst="straightConnector1">
             <a:avLst/>
@@ -3593,7 +3601,7 @@
         </p:nvSpPr>
         <p:spPr>
           <a:xfrm>
-            <a:off x="4604477" y="2484939"/>
+            <a:off x="4117522" y="2482797"/>
             <a:ext cx="1146930" cy="691893"/>
           </a:xfrm>
           <a:prstGeom prst="rect">
@@ -3629,12 +3637,16 @@
             <a:pPr algn="ctr"/>
             <a:r>
               <a:rPr lang="en-US" sz="1100" dirty="0"/>
-              <a:t>Switch age 1 and age2</a:t>
+              <a:t>a = name1 and age1</a:t>
             </a:r>
             <a:endParaRPr lang="en-NG" sz="1100" dirty="0"/>
           </a:p>
           <a:p>
             <a:pPr algn="ctr"/>
+            <a:r>
+              <a:rPr lang="en-US" sz="1100" dirty="0"/>
+              <a:t>b = name2 and age2</a:t>
+            </a:r>
             <a:endParaRPr lang="en-NG" sz="1100" dirty="0"/>
           </a:p>
         </p:txBody>
@@ -3653,7 +3665,7 @@
         </p:nvSpPr>
         <p:spPr>
           <a:xfrm>
-            <a:off x="6975428" y="2447946"/>
+            <a:off x="5982629" y="2447946"/>
             <a:ext cx="1277342" cy="761596"/>
           </a:xfrm>
           <a:prstGeom prst="rect">
@@ -3689,7 +3701,7 @@
             <a:pPr algn="ctr"/>
             <a:r>
               <a:rPr lang="en-US" sz="1100" dirty="0"/>
-              <a:t>Print Root1,Root2,Root3</a:t>
+              <a:t>Switch age1 and age2</a:t>
             </a:r>
             <a:endParaRPr lang="en-NG" sz="1100" dirty="0"/>
           </a:p>
@@ -3765,9 +3777,9 @@
           <p:nvPr/>
         </p:nvCxnSpPr>
         <p:spPr>
-          <a:xfrm flipV="1">
-            <a:off x="5751407" y="2828744"/>
-            <a:ext cx="1224021" cy="2142"/>
+          <a:xfrm>
+            <a:off x="5264452" y="2828744"/>
+            <a:ext cx="718177" cy="0"/>
           </a:xfrm>
           <a:prstGeom prst="straightConnector1">
             <a:avLst/>
@@ -3803,14 +3815,113 @@
           <p:cNvCxnSpPr>
             <a:cxnSpLocks/>
             <a:stCxn id="9" idx="3"/>
+            <a:endCxn id="14" idx="1"/>
+          </p:cNvCxnSpPr>
+          <p:nvPr/>
+        </p:nvCxnSpPr>
+        <p:spPr>
+          <a:xfrm>
+            <a:off x="7259971" y="2828744"/>
+            <a:ext cx="469739" cy="0"/>
+          </a:xfrm>
+          <a:prstGeom prst="straightConnector1">
+            <a:avLst/>
+          </a:prstGeom>
+          <a:ln>
+            <a:tailEnd type="triangle"/>
+          </a:ln>
+        </p:spPr>
+        <p:style>
+          <a:lnRef idx="1">
+            <a:schemeClr val="accent1"/>
+          </a:lnRef>
+          <a:fillRef idx="0">
+            <a:schemeClr val="accent1"/>
+          </a:fillRef>
+          <a:effectRef idx="0">
+            <a:schemeClr val="accent1"/>
+          </a:effectRef>
+          <a:fontRef idx="minor">
+            <a:schemeClr val="tx1"/>
+          </a:fontRef>
+        </p:style>
+      </p:cxnSp>
+      <p:sp>
+        <p:nvSpPr>
+          <p:cNvPr id="14" name="Rectangle 13">
+            <a:extLst>
+              <a:ext uri="{FF2B5EF4-FFF2-40B4-BE49-F238E27FC236}">
+                <a16:creationId xmlns:a16="http://schemas.microsoft.com/office/drawing/2014/main" id="{68FEB526-7A65-1B00-E71E-C884ED64B622}"/>
+              </a:ext>
+            </a:extLst>
+          </p:cNvPr>
+          <p:cNvSpPr/>
+          <p:nvPr/>
+        </p:nvSpPr>
+        <p:spPr>
+          <a:xfrm>
+            <a:off x="7729710" y="2447946"/>
+            <a:ext cx="1277342" cy="761596"/>
+          </a:xfrm>
+          <a:prstGeom prst="rect">
+            <a:avLst/>
+          </a:prstGeom>
+          <a:solidFill>
+            <a:schemeClr val="accent6">
+              <a:lumMod val="60000"/>
+              <a:lumOff val="40000"/>
+            </a:schemeClr>
+          </a:solidFill>
+        </p:spPr>
+        <p:style>
+          <a:lnRef idx="2">
+            <a:schemeClr val="accent1">
+              <a:shade val="50000"/>
+            </a:schemeClr>
+          </a:lnRef>
+          <a:fillRef idx="1">
+            <a:schemeClr val="accent1"/>
+          </a:fillRef>
+          <a:effectRef idx="0">
+            <a:schemeClr val="accent1"/>
+          </a:effectRef>
+          <a:fontRef idx="minor">
+            <a:schemeClr val="lt1"/>
+          </a:fontRef>
+        </p:style>
+        <p:txBody>
+          <a:bodyPr rtlCol="0" anchor="ctr"/>
+          <a:lstStyle/>
+          <a:p>
+            <a:pPr algn="ctr"/>
+            <a:r>
+              <a:rPr lang="en-US" sz="1100" dirty="0"/>
+              <a:t>Print a and b</a:t>
+            </a:r>
+            <a:endParaRPr lang="en-NG" sz="1100" dirty="0"/>
+          </a:p>
+        </p:txBody>
+      </p:sp>
+      <p:cxnSp>
+        <p:nvCxnSpPr>
+          <p:cNvPr id="16" name="Straight Arrow Connector 15">
+            <a:extLst>
+              <a:ext uri="{FF2B5EF4-FFF2-40B4-BE49-F238E27FC236}">
+                <a16:creationId xmlns:a16="http://schemas.microsoft.com/office/drawing/2014/main" id="{6052C8C2-5B00-DCB3-F92A-F99D131C569F}"/>
+              </a:ext>
+            </a:extLst>
+          </p:cNvPr>
+          <p:cNvCxnSpPr>
+            <a:cxnSpLocks/>
+            <a:stCxn id="14" idx="3"/>
             <a:endCxn id="10" idx="1"/>
           </p:cNvCxnSpPr>
           <p:nvPr/>
         </p:nvCxnSpPr>
         <p:spPr>
           <a:xfrm>
-            <a:off x="8252770" y="2828744"/>
-            <a:ext cx="1224021" cy="0"/>
+            <a:off x="9007052" y="2828744"/>
+            <a:ext cx="469739" cy="0"/>
           </a:xfrm>
           <a:prstGeom prst="straightConnector1">
             <a:avLst/>
